--- a/企画案.pptx
+++ b/企画案.pptx
@@ -6,7 +6,6 @@
   </p:sldMasterIdLst>
   <p:sldIdLst>
     <p:sldId id="256" r:id="rId2"/>
-    <p:sldId id="257" r:id="rId3"/>
   </p:sldIdLst>
   <p:sldSz cx="12192000" cy="6858000"/>
   <p:notesSz cx="6858000" cy="9144000"/>
@@ -105,6 +104,11 @@
       </a:defRPr>
     </a:lvl9pPr>
   </p:defaultTextStyle>
+  <p:extLst>
+    <p:ext uri="{EFAFB233-063F-42B5-8137-9DF3F51BA10A}">
+      <p15:sldGuideLst xmlns:p15="http://schemas.microsoft.com/office/powerpoint/2012/main"/>
+    </p:ext>
+  </p:extLst>
 </p:presentation>
 </file>
 
@@ -255,7 +259,7 @@
           <a:p>
             <a:fld id="{FFF4A87B-9876-416F-BE26-403017D4D6FD}" type="datetimeFigureOut">
               <a:rPr kumimoji="1" lang="ja-JP" altLang="en-US" smtClean="0"/>
-              <a:t>2023/4/13</a:t>
+              <a:t>2023/8/25</a:t>
             </a:fld>
             <a:endParaRPr kumimoji="1" lang="ja-JP" altLang="en-US"/>
           </a:p>
@@ -485,7 +489,7 @@
           <a:p>
             <a:fld id="{FFF4A87B-9876-416F-BE26-403017D4D6FD}" type="datetimeFigureOut">
               <a:rPr kumimoji="1" lang="ja-JP" altLang="en-US" smtClean="0"/>
-              <a:t>2023/4/13</a:t>
+              <a:t>2023/8/25</a:t>
             </a:fld>
             <a:endParaRPr kumimoji="1" lang="ja-JP" altLang="en-US"/>
           </a:p>
@@ -725,7 +729,7 @@
           <a:p>
             <a:fld id="{FFF4A87B-9876-416F-BE26-403017D4D6FD}" type="datetimeFigureOut">
               <a:rPr kumimoji="1" lang="ja-JP" altLang="en-US" smtClean="0"/>
-              <a:t>2023/4/13</a:t>
+              <a:t>2023/8/25</a:t>
             </a:fld>
             <a:endParaRPr kumimoji="1" lang="ja-JP" altLang="en-US"/>
           </a:p>
@@ -955,7 +959,7 @@
           <a:p>
             <a:fld id="{FFF4A87B-9876-416F-BE26-403017D4D6FD}" type="datetimeFigureOut">
               <a:rPr kumimoji="1" lang="ja-JP" altLang="en-US" smtClean="0"/>
-              <a:t>2023/4/13</a:t>
+              <a:t>2023/8/25</a:t>
             </a:fld>
             <a:endParaRPr kumimoji="1" lang="ja-JP" altLang="en-US"/>
           </a:p>
@@ -1230,7 +1234,7 @@
           <a:p>
             <a:fld id="{FFF4A87B-9876-416F-BE26-403017D4D6FD}" type="datetimeFigureOut">
               <a:rPr kumimoji="1" lang="ja-JP" altLang="en-US" smtClean="0"/>
-              <a:t>2023/4/13</a:t>
+              <a:t>2023/8/25</a:t>
             </a:fld>
             <a:endParaRPr kumimoji="1" lang="ja-JP" altLang="en-US"/>
           </a:p>
@@ -1559,7 +1563,7 @@
           <a:p>
             <a:fld id="{FFF4A87B-9876-416F-BE26-403017D4D6FD}" type="datetimeFigureOut">
               <a:rPr kumimoji="1" lang="ja-JP" altLang="en-US" smtClean="0"/>
-              <a:t>2023/4/13</a:t>
+              <a:t>2023/8/25</a:t>
             </a:fld>
             <a:endParaRPr kumimoji="1" lang="ja-JP" altLang="en-US"/>
           </a:p>
@@ -2035,7 +2039,7 @@
           <a:p>
             <a:fld id="{FFF4A87B-9876-416F-BE26-403017D4D6FD}" type="datetimeFigureOut">
               <a:rPr kumimoji="1" lang="ja-JP" altLang="en-US" smtClean="0"/>
-              <a:t>2023/4/13</a:t>
+              <a:t>2023/8/25</a:t>
             </a:fld>
             <a:endParaRPr kumimoji="1" lang="ja-JP" altLang="en-US"/>
           </a:p>
@@ -2176,7 +2180,7 @@
           <a:p>
             <a:fld id="{FFF4A87B-9876-416F-BE26-403017D4D6FD}" type="datetimeFigureOut">
               <a:rPr kumimoji="1" lang="ja-JP" altLang="en-US" smtClean="0"/>
-              <a:t>2023/4/13</a:t>
+              <a:t>2023/8/25</a:t>
             </a:fld>
             <a:endParaRPr kumimoji="1" lang="ja-JP" altLang="en-US"/>
           </a:p>
@@ -2289,7 +2293,7 @@
           <a:p>
             <a:fld id="{FFF4A87B-9876-416F-BE26-403017D4D6FD}" type="datetimeFigureOut">
               <a:rPr kumimoji="1" lang="ja-JP" altLang="en-US" smtClean="0"/>
-              <a:t>2023/4/13</a:t>
+              <a:t>2023/8/25</a:t>
             </a:fld>
             <a:endParaRPr kumimoji="1" lang="ja-JP" altLang="en-US"/>
           </a:p>
@@ -2632,7 +2636,7 @@
           <a:p>
             <a:fld id="{FFF4A87B-9876-416F-BE26-403017D4D6FD}" type="datetimeFigureOut">
               <a:rPr kumimoji="1" lang="ja-JP" altLang="en-US" smtClean="0"/>
-              <a:t>2023/4/13</a:t>
+              <a:t>2023/8/25</a:t>
             </a:fld>
             <a:endParaRPr kumimoji="1" lang="ja-JP" altLang="en-US"/>
           </a:p>
@@ -2920,7 +2924,7 @@
           <a:p>
             <a:fld id="{FFF4A87B-9876-416F-BE26-403017D4D6FD}" type="datetimeFigureOut">
               <a:rPr kumimoji="1" lang="ja-JP" altLang="en-US" smtClean="0"/>
-              <a:t>2023/4/13</a:t>
+              <a:t>2023/8/25</a:t>
             </a:fld>
             <a:endParaRPr kumimoji="1" lang="ja-JP" altLang="en-US"/>
           </a:p>
@@ -3193,7 +3197,7 @@
           <a:p>
             <a:fld id="{FFF4A87B-9876-416F-BE26-403017D4D6FD}" type="datetimeFigureOut">
               <a:rPr kumimoji="1" lang="ja-JP" altLang="en-US" smtClean="0"/>
-              <a:t>2023/4/13</a:t>
+              <a:t>2023/8/25</a:t>
             </a:fld>
             <a:endParaRPr kumimoji="1" lang="ja-JP" altLang="en-US"/>
           </a:p>
@@ -3885,107 +3889,6 @@
 </p:sld>
 </file>
 
-<file path=ppt/slides/slide2.xml><?xml version="1.0" encoding="utf-8"?>
-<p:sld xmlns:a="http://schemas.openxmlformats.org/drawingml/2006/main" xmlns:r="http://schemas.openxmlformats.org/officeDocument/2006/relationships" xmlns:p="http://schemas.openxmlformats.org/presentationml/2006/main">
-  <p:cSld>
-    <p:spTree>
-      <p:nvGrpSpPr>
-        <p:cNvPr id="1" name=""/>
-        <p:cNvGrpSpPr/>
-        <p:nvPr/>
-      </p:nvGrpSpPr>
-      <p:grpSpPr>
-        <a:xfrm>
-          <a:off x="0" y="0"/>
-          <a:ext cx="0" cy="0"/>
-          <a:chOff x="0" y="0"/>
-          <a:chExt cx="0" cy="0"/>
-        </a:xfrm>
-      </p:grpSpPr>
-      <p:pic>
-        <p:nvPicPr>
-          <p:cNvPr id="9" name="図 8">
-            <a:extLst>
-              <a:ext uri="{FF2B5EF4-FFF2-40B4-BE49-F238E27FC236}">
-                <a16:creationId xmlns:a16="http://schemas.microsoft.com/office/drawing/2014/main" id="{3BDAAB6A-26B1-4AB5-9923-FC0DD5060B60}"/>
-              </a:ext>
-            </a:extLst>
-          </p:cNvPr>
-          <p:cNvPicPr>
-            <a:picLocks noChangeAspect="1"/>
-          </p:cNvPicPr>
-          <p:nvPr/>
-        </p:nvPicPr>
-        <p:blipFill>
-          <a:blip r:embed="rId2">
-            <a:extLst>
-              <a:ext uri="{28A0092B-C50C-407E-A947-70E740481C1C}">
-                <a14:useLocalDpi xmlns:a14="http://schemas.microsoft.com/office/drawing/2010/main" val="0"/>
-              </a:ext>
-            </a:extLst>
-          </a:blip>
-          <a:stretch>
-            <a:fillRect/>
-          </a:stretch>
-        </p:blipFill>
-        <p:spPr>
-          <a:xfrm>
-            <a:off x="2210244" y="658892"/>
-            <a:ext cx="7131728" cy="4011597"/>
-          </a:xfrm>
-          <a:prstGeom prst="rect">
-            <a:avLst/>
-          </a:prstGeom>
-        </p:spPr>
-      </p:pic>
-      <p:sp>
-        <p:nvSpPr>
-          <p:cNvPr id="10" name="テキスト ボックス 9">
-            <a:extLst>
-              <a:ext uri="{FF2B5EF4-FFF2-40B4-BE49-F238E27FC236}">
-                <a16:creationId xmlns:a16="http://schemas.microsoft.com/office/drawing/2014/main" id="{EA141550-7808-44E8-A194-1B82D7CCC123}"/>
-              </a:ext>
-            </a:extLst>
-          </p:cNvPr>
-          <p:cNvSpPr txBox="1"/>
-          <p:nvPr/>
-        </p:nvSpPr>
-        <p:spPr>
-          <a:xfrm>
-            <a:off x="4749553" y="83820"/>
-            <a:ext cx="1870229" cy="369332"/>
-          </a:xfrm>
-          <a:prstGeom prst="rect">
-            <a:avLst/>
-          </a:prstGeom>
-          <a:noFill/>
-        </p:spPr>
-        <p:txBody>
-          <a:bodyPr wrap="square" rtlCol="0">
-            <a:spAutoFit/>
-          </a:bodyPr>
-          <a:lstStyle/>
-          <a:p>
-            <a:r>
-              <a:rPr kumimoji="1" lang="ja-JP" altLang="en-US" dirty="0"/>
-              <a:t>ゲームイメージ</a:t>
-            </a:r>
-          </a:p>
-        </p:txBody>
-      </p:sp>
-    </p:spTree>
-    <p:extLst>
-      <p:ext uri="{BB962C8B-B14F-4D97-AF65-F5344CB8AC3E}">
-        <p14:creationId xmlns:p14="http://schemas.microsoft.com/office/powerpoint/2010/main" val="3018327869"/>
-      </p:ext>
-    </p:extLst>
-  </p:cSld>
-  <p:clrMapOvr>
-    <a:masterClrMapping/>
-  </p:clrMapOvr>
-</p:sld>
-</file>
-
 <file path=ppt/theme/theme1.xml><?xml version="1.0" encoding="utf-8"?>
 <a:theme xmlns:a="http://schemas.openxmlformats.org/drawingml/2006/main" name="Office テーマ">
   <a:themeElements>
